--- a/Jahresziele/2015/ABBYY/Fazit-ZBII.pptx
+++ b/Jahresziele/2015/ABBYY/Fazit-ZBII.pptx
@@ -200,7 +200,7 @@
             <a:fld id="{A8ADFD5B-A66C-449C-B6E8-FB716D07777D}" type="datetimeFigureOut">
               <a:rPr lang="de-DE"/>
               <a:pPr/>
-              <a:t>16.12.2015</a:t>
+              <a:t>17.12.2015</a:t>
             </a:fld>
             <a:endParaRPr lang="de-DE"/>
           </a:p>
@@ -376,7 +376,7 @@
     </p:spTree>
     <p:extLst>
       <p:ext uri="{BB962C8B-B14F-4D97-AF65-F5344CB8AC3E}">
-        <p14:creationId xmlns:p14="http://schemas.microsoft.com/office/powerpoint/2010/main" val="1907857566"/>
+        <p14:creationId xmlns="" xmlns:p14="http://schemas.microsoft.com/office/powerpoint/2010/main" val="1907857566"/>
       </p:ext>
     </p:extLst>
   </p:cSld>
@@ -552,7 +552,7 @@
     </p:spTree>
     <p:extLst>
       <p:ext uri="{BB962C8B-B14F-4D97-AF65-F5344CB8AC3E}">
-        <p14:creationId xmlns:p14="http://schemas.microsoft.com/office/powerpoint/2010/main" val="325568466"/>
+        <p14:creationId xmlns="" xmlns:p14="http://schemas.microsoft.com/office/powerpoint/2010/main" val="325568466"/>
       </p:ext>
     </p:extLst>
   </p:cSld>
@@ -637,7 +637,7 @@
     </p:spTree>
     <p:extLst>
       <p:ext uri="{BB962C8B-B14F-4D97-AF65-F5344CB8AC3E}">
-        <p14:creationId xmlns:p14="http://schemas.microsoft.com/office/powerpoint/2010/main" val="2279025156"/>
+        <p14:creationId xmlns="" xmlns:p14="http://schemas.microsoft.com/office/powerpoint/2010/main" val="2279025156"/>
       </p:ext>
     </p:extLst>
   </p:cSld>
@@ -722,7 +722,7 @@
     </p:spTree>
     <p:extLst>
       <p:ext uri="{BB962C8B-B14F-4D97-AF65-F5344CB8AC3E}">
-        <p14:creationId xmlns:p14="http://schemas.microsoft.com/office/powerpoint/2010/main" val="2279025156"/>
+        <p14:creationId xmlns="" xmlns:p14="http://schemas.microsoft.com/office/powerpoint/2010/main" val="2279025156"/>
       </p:ext>
     </p:extLst>
   </p:cSld>
@@ -2253,8 +2253,8 @@
         </p:nvSpPr>
         <p:spPr>
           <a:xfrm>
-            <a:off x="205136" y="771441"/>
-            <a:ext cx="8693744" cy="390295"/>
+            <a:off x="4355976" y="771441"/>
+            <a:ext cx="4542904" cy="390295"/>
           </a:xfrm>
           <a:prstGeom prst="rect">
             <a:avLst/>
@@ -2277,7 +2277,7 @@
           </a:bodyPr>
           <a:lstStyle/>
           <a:p>
-            <a:pPr marL="216000" algn="ctr">
+            <a:pPr marL="216000">
               <a:spcBef>
                 <a:spcPts val="600"/>
               </a:spcBef>
@@ -2452,10 +2452,75 @@
           </a:p>
         </p:txBody>
       </p:sp>
+      <p:sp>
+        <p:nvSpPr>
+          <p:cNvPr id="8" name="Textfeld 7"/>
+          <p:cNvSpPr txBox="1"/>
+          <p:nvPr/>
+        </p:nvSpPr>
+        <p:spPr>
+          <a:xfrm>
+            <a:off x="179512" y="771550"/>
+            <a:ext cx="4392488" cy="390295"/>
+          </a:xfrm>
+          <a:prstGeom prst="rect">
+            <a:avLst/>
+          </a:prstGeom>
+          <a:noFill/>
+          <a:ln w="57150">
+            <a:noFill/>
+          </a:ln>
+          <a:effectLst>
+            <a:outerShdw blurRad="254000" dist="12700" dir="2700000" sx="101000" sy="101000" algn="tl" rotWithShape="0">
+              <a:prstClr val="black">
+                <a:alpha val="21000"/>
+              </a:prstClr>
+            </a:outerShdw>
+          </a:effectLst>
+        </p:spPr>
+        <p:txBody>
+          <a:bodyPr wrap="square" lIns="72000" tIns="36000" rtlCol="0" anchor="t">
+            <a:spAutoFit/>
+          </a:bodyPr>
+          <a:lstStyle/>
+          <a:p>
+            <a:pPr marL="216000" algn="r">
+              <a:spcBef>
+                <a:spcPts val="600"/>
+              </a:spcBef>
+              <a:spcAft>
+                <a:spcPts val="600"/>
+              </a:spcAft>
+              <a:buSzPct val="180000"/>
+            </a:pPr>
+            <a:r>
+              <a:rPr lang="de-DE" sz="2000" b="1" dirty="0" err="1" smtClean="0">
+                <a:solidFill>
+                  <a:srgbClr val="C00000"/>
+                </a:solidFill>
+              </a:rPr>
+              <a:t>xx</a:t>
+            </a:r>
+            <a:r>
+              <a:rPr lang="de-DE" sz="2000" b="1" dirty="0" smtClean="0">
+                <a:solidFill>
+                  <a:srgbClr val="C00000"/>
+                </a:solidFill>
+              </a:rPr>
+              <a:t> Dokumente untersucht:</a:t>
+            </a:r>
+            <a:endParaRPr lang="de-DE" sz="2000" b="1" dirty="0">
+              <a:solidFill>
+                <a:srgbClr val="C00000"/>
+              </a:solidFill>
+            </a:endParaRPr>
+          </a:p>
+        </p:txBody>
+      </p:sp>
     </p:spTree>
     <p:extLst>
       <p:ext uri="{BB962C8B-B14F-4D97-AF65-F5344CB8AC3E}">
-        <p14:creationId xmlns:p14="http://schemas.microsoft.com/office/powerpoint/2010/main" val="36908405"/>
+        <p14:creationId xmlns="" xmlns:p14="http://schemas.microsoft.com/office/powerpoint/2010/main" val="36908405"/>
       </p:ext>
     </p:extLst>
   </p:cSld>
@@ -2487,14 +2552,96 @@
                             </p:stCondLst>
                             <p:childTnLst>
                               <p:par>
-                                <p:cTn id="5" presetID="53" presetClass="entr" presetSubtype="16" fill="hold" grpId="0" nodeType="afterEffect">
+                                <p:cTn id="5" presetID="2" presetClass="entr" presetSubtype="2" fill="hold" grpId="0" nodeType="afterEffect">
                                   <p:stCondLst>
-                                    <p:cond delay="750"/>
+                                    <p:cond delay="1500"/>
                                   </p:stCondLst>
                                   <p:childTnLst>
                                     <p:set>
                                       <p:cBhvr>
                                         <p:cTn id="6" dur="1" fill="hold">
+                                          <p:stCondLst>
+                                            <p:cond delay="0"/>
+                                          </p:stCondLst>
+                                        </p:cTn>
+                                        <p:tgtEl>
+                                          <p:spTgt spid="8"/>
+                                        </p:tgtEl>
+                                        <p:attrNameLst>
+                                          <p:attrName>style.visibility</p:attrName>
+                                        </p:attrNameLst>
+                                      </p:cBhvr>
+                                      <p:to>
+                                        <p:strVal val="visible"/>
+                                      </p:to>
+                                    </p:set>
+                                    <p:anim calcmode="lin" valueType="num">
+                                      <p:cBhvr additive="base">
+                                        <p:cTn id="7" dur="500" fill="hold"/>
+                                        <p:tgtEl>
+                                          <p:spTgt spid="8"/>
+                                        </p:tgtEl>
+                                        <p:attrNameLst>
+                                          <p:attrName>ppt_x</p:attrName>
+                                        </p:attrNameLst>
+                                      </p:cBhvr>
+                                      <p:tavLst>
+                                        <p:tav tm="0">
+                                          <p:val>
+                                            <p:strVal val="1+#ppt_w/2"/>
+                                          </p:val>
+                                        </p:tav>
+                                        <p:tav tm="100000">
+                                          <p:val>
+                                            <p:strVal val="#ppt_x"/>
+                                          </p:val>
+                                        </p:tav>
+                                      </p:tavLst>
+                                    </p:anim>
+                                    <p:anim calcmode="lin" valueType="num">
+                                      <p:cBhvr additive="base">
+                                        <p:cTn id="8" dur="500" fill="hold"/>
+                                        <p:tgtEl>
+                                          <p:spTgt spid="8"/>
+                                        </p:tgtEl>
+                                        <p:attrNameLst>
+                                          <p:attrName>ppt_y</p:attrName>
+                                        </p:attrNameLst>
+                                      </p:cBhvr>
+                                      <p:tavLst>
+                                        <p:tav tm="0">
+                                          <p:val>
+                                            <p:strVal val="#ppt_y"/>
+                                          </p:val>
+                                        </p:tav>
+                                        <p:tav tm="100000">
+                                          <p:val>
+                                            <p:strVal val="#ppt_y"/>
+                                          </p:val>
+                                        </p:tav>
+                                      </p:tavLst>
+                                    </p:anim>
+                                  </p:childTnLst>
+                                </p:cTn>
+                              </p:par>
+                            </p:childTnLst>
+                          </p:cTn>
+                        </p:par>
+                        <p:par>
+                          <p:cTn id="9" fill="hold">
+                            <p:stCondLst>
+                              <p:cond delay="2000"/>
+                            </p:stCondLst>
+                            <p:childTnLst>
+                              <p:par>
+                                <p:cTn id="10" presetID="2" presetClass="entr" presetSubtype="2" fill="hold" grpId="0" nodeType="afterEffect">
+                                  <p:stCondLst>
+                                    <p:cond delay="800"/>
+                                  </p:stCondLst>
+                                  <p:childTnLst>
+                                    <p:set>
+                                      <p:cBhvr>
+                                        <p:cTn id="11" dur="1" fill="hold">
                                           <p:stCondLst>
                                             <p:cond delay="0"/>
                                           </p:stCondLst>
@@ -2511,59 +2658,51 @@
                                       </p:to>
                                     </p:set>
                                     <p:anim calcmode="lin" valueType="num">
-                                      <p:cBhvr>
-                                        <p:cTn id="7" dur="250" fill="hold"/>
+                                      <p:cBhvr additive="base">
+                                        <p:cTn id="12" dur="200" fill="hold"/>
                                         <p:tgtEl>
                                           <p:spTgt spid="3"/>
                                         </p:tgtEl>
                                         <p:attrNameLst>
-                                          <p:attrName>ppt_w</p:attrName>
+                                          <p:attrName>ppt_x</p:attrName>
                                         </p:attrNameLst>
                                       </p:cBhvr>
                                       <p:tavLst>
                                         <p:tav tm="0">
                                           <p:val>
-                                            <p:fltVal val="0"/>
+                                            <p:strVal val="1+#ppt_w/2"/>
                                           </p:val>
                                         </p:tav>
                                         <p:tav tm="100000">
                                           <p:val>
-                                            <p:strVal val="#ppt_w"/>
+                                            <p:strVal val="#ppt_x"/>
                                           </p:val>
                                         </p:tav>
                                       </p:tavLst>
                                     </p:anim>
                                     <p:anim calcmode="lin" valueType="num">
-                                      <p:cBhvr>
-                                        <p:cTn id="8" dur="250" fill="hold"/>
+                                      <p:cBhvr additive="base">
+                                        <p:cTn id="13" dur="200" fill="hold"/>
                                         <p:tgtEl>
                                           <p:spTgt spid="3"/>
                                         </p:tgtEl>
                                         <p:attrNameLst>
-                                          <p:attrName>ppt_h</p:attrName>
+                                          <p:attrName>ppt_y</p:attrName>
                                         </p:attrNameLst>
                                       </p:cBhvr>
                                       <p:tavLst>
                                         <p:tav tm="0">
                                           <p:val>
-                                            <p:fltVal val="0"/>
+                                            <p:strVal val="#ppt_y"/>
                                           </p:val>
                                         </p:tav>
                                         <p:tav tm="100000">
                                           <p:val>
-                                            <p:strVal val="#ppt_h"/>
+                                            <p:strVal val="#ppt_y"/>
                                           </p:val>
                                         </p:tav>
                                       </p:tavLst>
                                     </p:anim>
-                                    <p:animEffect transition="in" filter="fade">
-                                      <p:cBhvr>
-                                        <p:cTn id="9" dur="250"/>
-                                        <p:tgtEl>
-                                          <p:spTgt spid="3"/>
-                                        </p:tgtEl>
-                                      </p:cBhvr>
-                                    </p:animEffect>
                                   </p:childTnLst>
                                 </p:cTn>
                               </p:par>
@@ -2571,20 +2710,20 @@
                           </p:cTn>
                         </p:par>
                         <p:par>
-                          <p:cTn id="10" fill="hold">
+                          <p:cTn id="14" fill="hold">
                             <p:stCondLst>
-                              <p:cond delay="1000"/>
+                              <p:cond delay="3000"/>
                             </p:stCondLst>
                             <p:childTnLst>
                               <p:par>
-                                <p:cTn id="11" presetID="53" presetClass="entr" presetSubtype="16" fill="hold" grpId="0" nodeType="afterEffect">
+                                <p:cTn id="15" presetID="22" presetClass="entr" presetSubtype="8" fill="hold" grpId="0" nodeType="afterEffect">
                                   <p:stCondLst>
                                     <p:cond delay="1500"/>
                                   </p:stCondLst>
                                   <p:childTnLst>
                                     <p:set>
                                       <p:cBhvr>
-                                        <p:cTn id="12" dur="1" fill="hold">
+                                        <p:cTn id="16" dur="1" fill="hold">
                                           <p:stCondLst>
                                             <p:cond delay="0"/>
                                           </p:stCondLst>
@@ -2600,55 +2739,9 @@
                                         <p:strVal val="visible"/>
                                       </p:to>
                                     </p:set>
-                                    <p:anim calcmode="lin" valueType="num">
+                                    <p:animEffect transition="in" filter="wipe(left)">
                                       <p:cBhvr>
-                                        <p:cTn id="13" dur="250" fill="hold"/>
-                                        <p:tgtEl>
-                                          <p:spTgt spid="6"/>
-                                        </p:tgtEl>
-                                        <p:attrNameLst>
-                                          <p:attrName>ppt_w</p:attrName>
-                                        </p:attrNameLst>
-                                      </p:cBhvr>
-                                      <p:tavLst>
-                                        <p:tav tm="0">
-                                          <p:val>
-                                            <p:fltVal val="0"/>
-                                          </p:val>
-                                        </p:tav>
-                                        <p:tav tm="100000">
-                                          <p:val>
-                                            <p:strVal val="#ppt_w"/>
-                                          </p:val>
-                                        </p:tav>
-                                      </p:tavLst>
-                                    </p:anim>
-                                    <p:anim calcmode="lin" valueType="num">
-                                      <p:cBhvr>
-                                        <p:cTn id="14" dur="250" fill="hold"/>
-                                        <p:tgtEl>
-                                          <p:spTgt spid="6"/>
-                                        </p:tgtEl>
-                                        <p:attrNameLst>
-                                          <p:attrName>ppt_h</p:attrName>
-                                        </p:attrNameLst>
-                                      </p:cBhvr>
-                                      <p:tavLst>
-                                        <p:tav tm="0">
-                                          <p:val>
-                                            <p:fltVal val="0"/>
-                                          </p:val>
-                                        </p:tav>
-                                        <p:tav tm="100000">
-                                          <p:val>
-                                            <p:strVal val="#ppt_h"/>
-                                          </p:val>
-                                        </p:tav>
-                                      </p:tavLst>
-                                    </p:anim>
-                                    <p:animEffect transition="in" filter="fade">
-                                      <p:cBhvr>
-                                        <p:cTn id="15" dur="250"/>
+                                        <p:cTn id="17" dur="200"/>
                                         <p:tgtEl>
                                           <p:spTgt spid="6"/>
                                         </p:tgtEl>
@@ -2661,20 +2754,20 @@
                           </p:cTn>
                         </p:par>
                         <p:par>
-                          <p:cTn id="16" fill="hold">
+                          <p:cTn id="18" fill="hold">
                             <p:stCondLst>
-                              <p:cond delay="2750"/>
+                              <p:cond delay="4700"/>
                             </p:stCondLst>
                             <p:childTnLst>
                               <p:par>
-                                <p:cTn id="17" presetID="53" presetClass="entr" presetSubtype="16" fill="hold" grpId="0" nodeType="afterEffect">
+                                <p:cTn id="19" presetID="22" presetClass="entr" presetSubtype="8" fill="hold" grpId="0" nodeType="afterEffect">
                                   <p:stCondLst>
-                                    <p:cond delay="100"/>
+                                    <p:cond delay="0"/>
                                   </p:stCondLst>
                                   <p:childTnLst>
                                     <p:set>
                                       <p:cBhvr>
-                                        <p:cTn id="18" dur="1" fill="hold">
+                                        <p:cTn id="20" dur="1" fill="hold">
                                           <p:stCondLst>
                                             <p:cond delay="0"/>
                                           </p:stCondLst>
@@ -2690,55 +2783,9 @@
                                         <p:strVal val="visible"/>
                                       </p:to>
                                     </p:set>
-                                    <p:anim calcmode="lin" valueType="num">
+                                    <p:animEffect transition="in" filter="wipe(left)">
                                       <p:cBhvr>
-                                        <p:cTn id="19" dur="250" fill="hold"/>
-                                        <p:tgtEl>
-                                          <p:spTgt spid="4"/>
-                                        </p:tgtEl>
-                                        <p:attrNameLst>
-                                          <p:attrName>ppt_w</p:attrName>
-                                        </p:attrNameLst>
-                                      </p:cBhvr>
-                                      <p:tavLst>
-                                        <p:tav tm="0">
-                                          <p:val>
-                                            <p:fltVal val="0"/>
-                                          </p:val>
-                                        </p:tav>
-                                        <p:tav tm="100000">
-                                          <p:val>
-                                            <p:strVal val="#ppt_w"/>
-                                          </p:val>
-                                        </p:tav>
-                                      </p:tavLst>
-                                    </p:anim>
-                                    <p:anim calcmode="lin" valueType="num">
-                                      <p:cBhvr>
-                                        <p:cTn id="20" dur="250" fill="hold"/>
-                                        <p:tgtEl>
-                                          <p:spTgt spid="4"/>
-                                        </p:tgtEl>
-                                        <p:attrNameLst>
-                                          <p:attrName>ppt_h</p:attrName>
-                                        </p:attrNameLst>
-                                      </p:cBhvr>
-                                      <p:tavLst>
-                                        <p:tav tm="0">
-                                          <p:val>
-                                            <p:fltVal val="0"/>
-                                          </p:val>
-                                        </p:tav>
-                                        <p:tav tm="100000">
-                                          <p:val>
-                                            <p:strVal val="#ppt_h"/>
-                                          </p:val>
-                                        </p:tav>
-                                      </p:tavLst>
-                                    </p:anim>
-                                    <p:animEffect transition="in" filter="fade">
-                                      <p:cBhvr>
-                                        <p:cTn id="21" dur="250"/>
+                                        <p:cTn id="21" dur="200"/>
                                         <p:tgtEl>
                                           <p:spTgt spid="4"/>
                                         </p:tgtEl>
@@ -2747,20 +2794,29 @@
                                   </p:childTnLst>
                                 </p:cTn>
                               </p:par>
+                            </p:childTnLst>
+                          </p:cTn>
+                        </p:par>
+                        <p:par>
+                          <p:cTn id="22" fill="hold">
+                            <p:stCondLst>
+                              <p:cond delay="4900"/>
+                            </p:stCondLst>
+                            <p:childTnLst>
                               <p:par>
-                                <p:cTn id="22" presetID="1" presetClass="entr" presetSubtype="0" fill="hold" grpId="0" nodeType="withEffect" nodePh="1">
+                                <p:cTn id="23" presetID="1" presetClass="entr" presetSubtype="0" fill="hold" grpId="0" nodeType="afterEffect" nodePh="1">
                                   <p:stCondLst>
-                                    <p:cond delay="5000"/>
+                                    <p:cond delay="4000"/>
                                   </p:stCondLst>
                                   <p:endCondLst>
                                     <p:cond evt="begin" delay="0">
-                                      <p:tn val="22"/>
+                                      <p:tn val="23"/>
                                     </p:cond>
                                   </p:endCondLst>
                                   <p:childTnLst>
                                     <p:set>
                                       <p:cBhvr>
-                                        <p:cTn id="23" dur="1" fill="hold">
+                                        <p:cTn id="24" dur="1" fill="hold">
                                           <p:stCondLst>
                                             <p:cond delay="199"/>
                                           </p:stCondLst>
@@ -2811,6 +2867,7 @@
       <p:bldP spid="2" grpId="0"/>
       <p:bldP spid="6" grpId="0" animBg="1"/>
       <p:bldP spid="4" grpId="0" animBg="1"/>
+      <p:bldP spid="8" grpId="0"/>
     </p:bldLst>
   </p:timing>
 </p:sld>

--- a/Jahresziele/2015/ABBYY/Fazit-ZBII.pptx
+++ b/Jahresziele/2015/ABBYY/Fazit-ZBII.pptx
@@ -376,7 +376,7 @@
     </p:spTree>
     <p:extLst>
       <p:ext uri="{BB962C8B-B14F-4D97-AF65-F5344CB8AC3E}">
-        <p14:creationId xmlns="" xmlns:p14="http://schemas.microsoft.com/office/powerpoint/2010/main" val="1907857566"/>
+        <p14:creationId xmlns:p14="http://schemas.microsoft.com/office/powerpoint/2010/main" val="1907857566"/>
       </p:ext>
     </p:extLst>
   </p:cSld>
@@ -552,7 +552,7 @@
     </p:spTree>
     <p:extLst>
       <p:ext uri="{BB962C8B-B14F-4D97-AF65-F5344CB8AC3E}">
-        <p14:creationId xmlns="" xmlns:p14="http://schemas.microsoft.com/office/powerpoint/2010/main" val="325568466"/>
+        <p14:creationId xmlns:p14="http://schemas.microsoft.com/office/powerpoint/2010/main" val="325568466"/>
       </p:ext>
     </p:extLst>
   </p:cSld>
@@ -637,7 +637,7 @@
     </p:spTree>
     <p:extLst>
       <p:ext uri="{BB962C8B-B14F-4D97-AF65-F5344CB8AC3E}">
-        <p14:creationId xmlns="" xmlns:p14="http://schemas.microsoft.com/office/powerpoint/2010/main" val="2279025156"/>
+        <p14:creationId xmlns:p14="http://schemas.microsoft.com/office/powerpoint/2010/main" val="2279025156"/>
       </p:ext>
     </p:extLst>
   </p:cSld>
@@ -722,7 +722,7 @@
     </p:spTree>
     <p:extLst>
       <p:ext uri="{BB962C8B-B14F-4D97-AF65-F5344CB8AC3E}">
-        <p14:creationId xmlns="" xmlns:p14="http://schemas.microsoft.com/office/powerpoint/2010/main" val="2279025156"/>
+        <p14:creationId xmlns:p14="http://schemas.microsoft.com/office/powerpoint/2010/main" val="2279025156"/>
       </p:ext>
     </p:extLst>
   </p:cSld>
@@ -1394,8 +1394,8 @@
           <p:nvPr/>
         </p:nvSpPr>
         <p:spPr>
-          <a:xfrm rot="21296229">
-            <a:off x="989126" y="351403"/>
+          <a:xfrm rot="21346802">
+            <a:off x="989126" y="381883"/>
             <a:ext cx="6805889" cy="698071"/>
           </a:xfrm>
           <a:prstGeom prst="rect">
@@ -1660,8 +1660,8 @@
         </p:nvSpPr>
         <p:spPr>
           <a:xfrm>
-            <a:off x="205136" y="885309"/>
-            <a:ext cx="2782688" cy="544183"/>
+            <a:off x="205136" y="699542"/>
+            <a:ext cx="2638672" cy="374906"/>
           </a:xfrm>
           <a:prstGeom prst="rect">
             <a:avLst/>
@@ -1698,22 +1698,14 @@
               <a:buSzPct val="180000"/>
             </a:pPr>
             <a:r>
-              <a:rPr lang="de-DE" sz="3000" b="1" dirty="0" smtClean="0">
+              <a:rPr lang="de-DE" sz="1900" b="1" dirty="0" smtClean="0">
                 <a:solidFill>
                   <a:srgbClr val="00B050"/>
                 </a:solidFill>
               </a:rPr>
-              <a:t>+</a:t>
+              <a:t>+ Einheitliches Layout</a:t>
             </a:r>
-            <a:r>
-              <a:rPr lang="de-DE" sz="2000" b="1" dirty="0" smtClean="0">
-                <a:solidFill>
-                  <a:srgbClr val="00B050"/>
-                </a:solidFill>
-              </a:rPr>
-              <a:t> Einheitliches Layout</a:t>
-            </a:r>
-            <a:endParaRPr lang="de-DE" sz="2000" b="1" dirty="0">
+            <a:endParaRPr lang="de-DE" sz="1900" b="1" dirty="0">
               <a:solidFill>
                 <a:srgbClr val="00B050"/>
               </a:solidFill>
@@ -1729,8 +1721,8 @@
         </p:nvSpPr>
         <p:spPr>
           <a:xfrm>
-            <a:off x="3275856" y="885308"/>
-            <a:ext cx="5623024" cy="544183"/>
+            <a:off x="2987824" y="699541"/>
+            <a:ext cx="5911056" cy="374906"/>
           </a:xfrm>
           <a:prstGeom prst="rect">
             <a:avLst/>
@@ -1767,22 +1759,14 @@
               <a:buSzPct val="180000"/>
             </a:pPr>
             <a:r>
-              <a:rPr lang="de-DE" sz="3000" b="1" dirty="0" smtClean="0">
+              <a:rPr lang="de-DE" sz="1900" b="1" dirty="0" smtClean="0">
                 <a:solidFill>
                   <a:srgbClr val="FF0000"/>
                 </a:solidFill>
               </a:rPr>
-              <a:t>-</a:t>
+              <a:t>- Schwer lesbares (grünes) Farbmuster / Gitternetz</a:t>
             </a:r>
-            <a:r>
-              <a:rPr lang="de-DE" sz="2000" b="1" dirty="0" smtClean="0">
-                <a:solidFill>
-                  <a:srgbClr val="FF0000"/>
-                </a:solidFill>
-              </a:rPr>
-              <a:t> Schwer lesbares Farbmuster (grün) + Gitternetz</a:t>
-            </a:r>
-            <a:endParaRPr lang="de-DE" sz="2000" b="1" dirty="0">
+            <a:endParaRPr lang="de-DE" sz="1900" b="1" dirty="0">
               <a:solidFill>
                 <a:srgbClr val="FF0000"/>
               </a:solidFill>
@@ -1831,6 +1815,83 @@
           <a:p>
             <a:pPr algn="ctr"/>
             <a:endParaRPr lang="de-DE"/>
+          </a:p>
+        </p:txBody>
+      </p:sp>
+      <p:sp>
+        <p:nvSpPr>
+          <p:cNvPr id="6" name="Textfeld 5"/>
+          <p:cNvSpPr txBox="1"/>
+          <p:nvPr/>
+        </p:nvSpPr>
+        <p:spPr>
+          <a:xfrm>
+            <a:off x="2987824" y="1214472"/>
+            <a:ext cx="5911056" cy="374906"/>
+          </a:xfrm>
+          <a:prstGeom prst="rect">
+            <a:avLst/>
+          </a:prstGeom>
+          <a:solidFill>
+            <a:schemeClr val="bg1"/>
+          </a:solidFill>
+          <a:ln w="57150">
+            <a:solidFill>
+              <a:srgbClr val="FF0000"/>
+            </a:solidFill>
+          </a:ln>
+          <a:effectLst>
+            <a:outerShdw blurRad="254000" dist="12700" dir="2700000" sx="101000" sy="101000" algn="tl" rotWithShape="0">
+              <a:prstClr val="black">
+                <a:alpha val="21000"/>
+              </a:prstClr>
+            </a:outerShdw>
+          </a:effectLst>
+        </p:spPr>
+        <p:txBody>
+          <a:bodyPr wrap="square" lIns="72000" tIns="36000" rtlCol="0" anchor="t">
+            <a:spAutoFit/>
+          </a:bodyPr>
+          <a:lstStyle/>
+          <a:p>
+            <a:pPr marL="216000">
+              <a:spcBef>
+                <a:spcPts val="600"/>
+              </a:spcBef>
+              <a:spcAft>
+                <a:spcPts val="600"/>
+              </a:spcAft>
+              <a:buSzPct val="180000"/>
+            </a:pPr>
+            <a:r>
+              <a:rPr lang="de-DE" sz="1900" b="1" dirty="0" smtClean="0">
+                <a:solidFill>
+                  <a:srgbClr val="FF0000"/>
+                </a:solidFill>
+              </a:rPr>
+              <a:t>- </a:t>
+            </a:r>
+            <a:r>
+              <a:rPr lang="de-DE" sz="1900" b="1" dirty="0">
+                <a:solidFill>
+                  <a:srgbClr val="FF0000"/>
+                </a:solidFill>
+              </a:rPr>
+              <a:t>Hohe </a:t>
+            </a:r>
+            <a:r>
+              <a:rPr lang="de-DE" sz="1900" b="1" dirty="0" smtClean="0">
+                <a:solidFill>
+                  <a:srgbClr val="FF0000"/>
+                </a:solidFill>
+              </a:rPr>
+              <a:t>Fehlerquote, unbrauchbar für FIN Erkennung</a:t>
+            </a:r>
+            <a:endParaRPr lang="de-DE" sz="1900" b="1" dirty="0">
+              <a:solidFill>
+                <a:srgbClr val="FF0000"/>
+              </a:solidFill>
+            </a:endParaRPr>
           </a:p>
         </p:txBody>
       </p:sp>
@@ -2116,20 +2177,110 @@
                                   </p:childTnLst>
                                 </p:cTn>
                               </p:par>
+                            </p:childTnLst>
+                          </p:cTn>
+                        </p:par>
+                        <p:par>
+                          <p:cTn id="21" fill="hold">
+                            <p:stCondLst>
+                              <p:cond delay="4550"/>
+                            </p:stCondLst>
+                            <p:childTnLst>
                               <p:par>
-                                <p:cTn id="21" presetID="1" presetClass="entr" presetSubtype="0" fill="hold" grpId="0" nodeType="withEffect" nodePh="1">
+                                <p:cTn id="22" presetID="53" presetClass="entr" presetSubtype="16" fill="hold" grpId="0" nodeType="afterEffect">
+                                  <p:stCondLst>
+                                    <p:cond delay="2000"/>
+                                  </p:stCondLst>
+                                  <p:childTnLst>
+                                    <p:set>
+                                      <p:cBhvr>
+                                        <p:cTn id="23" dur="1" fill="hold">
+                                          <p:stCondLst>
+                                            <p:cond delay="0"/>
+                                          </p:stCondLst>
+                                        </p:cTn>
+                                        <p:tgtEl>
+                                          <p:spTgt spid="6"/>
+                                        </p:tgtEl>
+                                        <p:attrNameLst>
+                                          <p:attrName>style.visibility</p:attrName>
+                                        </p:attrNameLst>
+                                      </p:cBhvr>
+                                      <p:to>
+                                        <p:strVal val="visible"/>
+                                      </p:to>
+                                    </p:set>
+                                    <p:anim calcmode="lin" valueType="num">
+                                      <p:cBhvr>
+                                        <p:cTn id="24" dur="250" fill="hold"/>
+                                        <p:tgtEl>
+                                          <p:spTgt spid="6"/>
+                                        </p:tgtEl>
+                                        <p:attrNameLst>
+                                          <p:attrName>ppt_w</p:attrName>
+                                        </p:attrNameLst>
+                                      </p:cBhvr>
+                                      <p:tavLst>
+                                        <p:tav tm="0">
+                                          <p:val>
+                                            <p:fltVal val="0"/>
+                                          </p:val>
+                                        </p:tav>
+                                        <p:tav tm="100000">
+                                          <p:val>
+                                            <p:strVal val="#ppt_w"/>
+                                          </p:val>
+                                        </p:tav>
+                                      </p:tavLst>
+                                    </p:anim>
+                                    <p:anim calcmode="lin" valueType="num">
+                                      <p:cBhvr>
+                                        <p:cTn id="25" dur="250" fill="hold"/>
+                                        <p:tgtEl>
+                                          <p:spTgt spid="6"/>
+                                        </p:tgtEl>
+                                        <p:attrNameLst>
+                                          <p:attrName>ppt_h</p:attrName>
+                                        </p:attrNameLst>
+                                      </p:cBhvr>
+                                      <p:tavLst>
+                                        <p:tav tm="0">
+                                          <p:val>
+                                            <p:fltVal val="0"/>
+                                          </p:val>
+                                        </p:tav>
+                                        <p:tav tm="100000">
+                                          <p:val>
+                                            <p:strVal val="#ppt_h"/>
+                                          </p:val>
+                                        </p:tav>
+                                      </p:tavLst>
+                                    </p:anim>
+                                    <p:animEffect transition="in" filter="fade">
+                                      <p:cBhvr>
+                                        <p:cTn id="26" dur="250"/>
+                                        <p:tgtEl>
+                                          <p:spTgt spid="6"/>
+                                        </p:tgtEl>
+                                      </p:cBhvr>
+                                    </p:animEffect>
+                                  </p:childTnLst>
+                                </p:cTn>
+                              </p:par>
+                              <p:par>
+                                <p:cTn id="27" presetID="1" presetClass="entr" presetSubtype="0" fill="hold" grpId="0" nodeType="withEffect" nodePh="1">
                                   <p:stCondLst>
                                     <p:cond delay="7000"/>
                                   </p:stCondLst>
                                   <p:endCondLst>
                                     <p:cond evt="begin" delay="0">
-                                      <p:tn val="21"/>
+                                      <p:tn val="27"/>
                                     </p:cond>
                                   </p:endCondLst>
                                   <p:childTnLst>
                                     <p:set>
                                       <p:cBhvr>
-                                        <p:cTn id="22" dur="1" fill="hold">
+                                        <p:cTn id="28" dur="1" fill="hold">
                                           <p:stCondLst>
                                             <p:cond delay="199"/>
                                           </p:stCondLst>
@@ -2180,6 +2331,7 @@
       <p:bldP spid="3" grpId="0" animBg="1"/>
       <p:bldP spid="4" grpId="0" animBg="1"/>
       <p:bldP spid="2" grpId="0"/>
+      <p:bldP spid="6" grpId="0" animBg="1"/>
     </p:bldLst>
   </p:timing>
 </p:sld>
@@ -2211,7 +2363,7 @@
         <p:spPr>
           <a:xfrm>
             <a:off x="185912" y="123478"/>
-            <a:ext cx="8712968" cy="523220"/>
+            <a:ext cx="8712968" cy="461665"/>
           </a:xfrm>
           <a:prstGeom prst="rect">
             <a:avLst/>
@@ -2230,14 +2382,14 @@
           <a:p>
             <a:pPr algn="ctr"/>
             <a:r>
-              <a:rPr lang="de-DE" sz="2800" b="1" dirty="0" smtClean="0">
+              <a:rPr lang="de-DE" sz="2400" b="1" dirty="0" smtClean="0">
                 <a:solidFill>
                   <a:schemeClr val="bg1"/>
                 </a:solidFill>
               </a:rPr>
               <a:t>ZBI / ZBII</a:t>
             </a:r>
-            <a:endParaRPr lang="de-DE" sz="2800" b="1" dirty="0">
+            <a:endParaRPr lang="de-DE" sz="2400" b="1" dirty="0">
               <a:solidFill>
                 <a:schemeClr val="bg1"/>
               </a:solidFill>
@@ -2253,7 +2405,7 @@
         </p:nvSpPr>
         <p:spPr>
           <a:xfrm>
-            <a:off x="4355976" y="771441"/>
+            <a:off x="4355976" y="627534"/>
             <a:ext cx="4542904" cy="390295"/>
           </a:xfrm>
           <a:prstGeom prst="rect">
@@ -2354,7 +2506,7 @@
         </p:nvSpPr>
         <p:spPr>
           <a:xfrm>
-            <a:off x="205136" y="1325404"/>
+            <a:off x="205136" y="1131590"/>
             <a:ext cx="2353176" cy="236406"/>
           </a:xfrm>
           <a:prstGeom prst="rect">
@@ -2407,7 +2559,7 @@
         </p:nvSpPr>
         <p:spPr>
           <a:xfrm>
-            <a:off x="2558312" y="1325404"/>
+            <a:off x="2558312" y="1131590"/>
             <a:ext cx="6319464" cy="236406"/>
           </a:xfrm>
           <a:prstGeom prst="rect">
@@ -2460,7 +2612,7 @@
         </p:nvSpPr>
         <p:spPr>
           <a:xfrm>
-            <a:off x="179512" y="771550"/>
+            <a:off x="179512" y="627643"/>
             <a:ext cx="4392488" cy="390295"/>
           </a:xfrm>
           <a:prstGeom prst="rect">
@@ -2520,7 +2672,7 @@
     </p:spTree>
     <p:extLst>
       <p:ext uri="{BB962C8B-B14F-4D97-AF65-F5344CB8AC3E}">
-        <p14:creationId xmlns="" xmlns:p14="http://schemas.microsoft.com/office/powerpoint/2010/main" val="36908405"/>
+        <p14:creationId xmlns:p14="http://schemas.microsoft.com/office/powerpoint/2010/main" val="36908405"/>
       </p:ext>
     </p:extLst>
   </p:cSld>
@@ -2577,7 +2729,7 @@
                                     </p:set>
                                     <p:anim calcmode="lin" valueType="num">
                                       <p:cBhvr additive="base">
-                                        <p:cTn id="7" dur="500" fill="hold"/>
+                                        <p:cTn id="7" dur="200" fill="hold"/>
                                         <p:tgtEl>
                                           <p:spTgt spid="8"/>
                                         </p:tgtEl>
@@ -2600,7 +2752,7 @@
                                     </p:anim>
                                     <p:anim calcmode="lin" valueType="num">
                                       <p:cBhvr additive="base">
-                                        <p:cTn id="8" dur="500" fill="hold"/>
+                                        <p:cTn id="8" dur="200" fill="hold"/>
                                         <p:tgtEl>
                                           <p:spTgt spid="8"/>
                                         </p:tgtEl>
@@ -2630,13 +2782,13 @@
                         <p:par>
                           <p:cTn id="9" fill="hold">
                             <p:stCondLst>
-                              <p:cond delay="2000"/>
+                              <p:cond delay="1700"/>
                             </p:stCondLst>
                             <p:childTnLst>
                               <p:par>
                                 <p:cTn id="10" presetID="2" presetClass="entr" presetSubtype="2" fill="hold" grpId="0" nodeType="afterEffect">
                                   <p:stCondLst>
-                                    <p:cond delay="800"/>
+                                    <p:cond delay="200"/>
                                   </p:stCondLst>
                                   <p:childTnLst>
                                     <p:set>
@@ -2712,7 +2864,7 @@
                         <p:par>
                           <p:cTn id="14" fill="hold">
                             <p:stCondLst>
-                              <p:cond delay="3000"/>
+                              <p:cond delay="2100"/>
                             </p:stCondLst>
                             <p:childTnLst>
                               <p:par>
@@ -2756,7 +2908,7 @@
                         <p:par>
                           <p:cTn id="18" fill="hold">
                             <p:stCondLst>
-                              <p:cond delay="4700"/>
+                              <p:cond delay="3800"/>
                             </p:stCondLst>
                             <p:childTnLst>
                               <p:par>
@@ -2800,13 +2952,13 @@
                         <p:par>
                           <p:cTn id="22" fill="hold">
                             <p:stCondLst>
-                              <p:cond delay="4900"/>
+                              <p:cond delay="4000"/>
                             </p:stCondLst>
                             <p:childTnLst>
                               <p:par>
                                 <p:cTn id="23" presetID="1" presetClass="entr" presetSubtype="0" fill="hold" grpId="0" nodeType="afterEffect" nodePh="1">
                                   <p:stCondLst>
-                                    <p:cond delay="4000"/>
+                                    <p:cond delay="30000"/>
                                   </p:stCondLst>
                                   <p:endCondLst>
                                     <p:cond evt="begin" delay="0">

--- a/Jahresziele/2015/ABBYY/Fazit-ZBII.pptx
+++ b/Jahresziele/2015/ABBYY/Fazit-ZBII.pptx
@@ -2363,7 +2363,7 @@
         <p:spPr>
           <a:xfrm>
             <a:off x="185912" y="123478"/>
-            <a:ext cx="8712968" cy="461665"/>
+            <a:ext cx="8712968" cy="430887"/>
           </a:xfrm>
           <a:prstGeom prst="rect">
             <a:avLst/>
@@ -2382,14 +2382,14 @@
           <a:p>
             <a:pPr algn="ctr"/>
             <a:r>
-              <a:rPr lang="de-DE" sz="2400" b="1" dirty="0" smtClean="0">
+              <a:rPr lang="de-DE" sz="2200" b="1" dirty="0" smtClean="0">
                 <a:solidFill>
                   <a:schemeClr val="bg1"/>
                 </a:solidFill>
               </a:rPr>
               <a:t>ZBI / ZBII</a:t>
             </a:r>
-            <a:endParaRPr lang="de-DE" sz="2400" b="1" dirty="0">
+            <a:endParaRPr lang="de-DE" sz="2200" b="1" dirty="0">
               <a:solidFill>
                 <a:schemeClr val="bg1"/>
               </a:solidFill>

--- a/Jahresziele/2015/ABBYY/Fazit-ZBII.pptx
+++ b/Jahresziele/2015/ABBYY/Fazit-ZBII.pptx
@@ -200,7 +200,7 @@
             <a:fld id="{A8ADFD5B-A66C-449C-B6E8-FB716D07777D}" type="datetimeFigureOut">
               <a:rPr lang="de-DE"/>
               <a:pPr/>
-              <a:t>17.12.2015</a:t>
+              <a:t>18.12.2015</a:t>
             </a:fld>
             <a:endParaRPr lang="de-DE"/>
           </a:p>
@@ -376,7 +376,7 @@
     </p:spTree>
     <p:extLst>
       <p:ext uri="{BB962C8B-B14F-4D97-AF65-F5344CB8AC3E}">
-        <p14:creationId xmlns:p14="http://schemas.microsoft.com/office/powerpoint/2010/main" val="1907857566"/>
+        <p14:creationId xmlns:p14="http://schemas.microsoft.com/office/powerpoint/2010/main" xmlns="" val="1907857566"/>
       </p:ext>
     </p:extLst>
   </p:cSld>
@@ -552,7 +552,7 @@
     </p:spTree>
     <p:extLst>
       <p:ext uri="{BB962C8B-B14F-4D97-AF65-F5344CB8AC3E}">
-        <p14:creationId xmlns:p14="http://schemas.microsoft.com/office/powerpoint/2010/main" val="325568466"/>
+        <p14:creationId xmlns:p14="http://schemas.microsoft.com/office/powerpoint/2010/main" xmlns="" val="325568466"/>
       </p:ext>
     </p:extLst>
   </p:cSld>
@@ -637,7 +637,7 @@
     </p:spTree>
     <p:extLst>
       <p:ext uri="{BB962C8B-B14F-4D97-AF65-F5344CB8AC3E}">
-        <p14:creationId xmlns:p14="http://schemas.microsoft.com/office/powerpoint/2010/main" val="2279025156"/>
+        <p14:creationId xmlns:p14="http://schemas.microsoft.com/office/powerpoint/2010/main" xmlns="" val="2279025156"/>
       </p:ext>
     </p:extLst>
   </p:cSld>
@@ -722,7 +722,7 @@
     </p:spTree>
     <p:extLst>
       <p:ext uri="{BB962C8B-B14F-4D97-AF65-F5344CB8AC3E}">
-        <p14:creationId xmlns:p14="http://schemas.microsoft.com/office/powerpoint/2010/main" val="2279025156"/>
+        <p14:creationId xmlns:p14="http://schemas.microsoft.com/office/powerpoint/2010/main" xmlns="" val="2279025156"/>
       </p:ext>
     </p:extLst>
   </p:cSld>
@@ -2646,12 +2646,12 @@
               <a:buSzPct val="180000"/>
             </a:pPr>
             <a:r>
-              <a:rPr lang="de-DE" sz="2000" b="1" dirty="0" err="1" smtClean="0">
+              <a:rPr lang="de-DE" sz="2000" b="1" smtClean="0">
                 <a:solidFill>
                   <a:srgbClr val="C00000"/>
                 </a:solidFill>
               </a:rPr>
-              <a:t>xx</a:t>
+              <a:t>25 </a:t>
             </a:r>
             <a:r>
               <a:rPr lang="de-DE" sz="2000" b="1" dirty="0" smtClean="0">
@@ -2659,7 +2659,7 @@
                   <a:srgbClr val="C00000"/>
                 </a:solidFill>
               </a:rPr>
-              <a:t> Dokumente untersucht:</a:t>
+              <a:t>Dokumente untersucht:</a:t>
             </a:r>
             <a:endParaRPr lang="de-DE" sz="2000" b="1" dirty="0">
               <a:solidFill>
@@ -2672,7 +2672,7 @@
     </p:spTree>
     <p:extLst>
       <p:ext uri="{BB962C8B-B14F-4D97-AF65-F5344CB8AC3E}">
-        <p14:creationId xmlns:p14="http://schemas.microsoft.com/office/powerpoint/2010/main" val="36908405"/>
+        <p14:creationId xmlns:p14="http://schemas.microsoft.com/office/powerpoint/2010/main" xmlns="" val="36908405"/>
       </p:ext>
     </p:extLst>
   </p:cSld>

--- a/Jahresziele/2015/ABBYY/Fazit-ZBII.pptx
+++ b/Jahresziele/2015/ABBYY/Fazit-ZBII.pptx
@@ -2267,20 +2267,29 @@
                                   </p:childTnLst>
                                 </p:cTn>
                               </p:par>
+                            </p:childTnLst>
+                          </p:cTn>
+                        </p:par>
+                        <p:par>
+                          <p:cTn id="27" fill="hold">
+                            <p:stCondLst>
+                              <p:cond delay="6800"/>
+                            </p:stCondLst>
+                            <p:childTnLst>
                               <p:par>
-                                <p:cTn id="27" presetID="1" presetClass="entr" presetSubtype="0" fill="hold" grpId="0" nodeType="withEffect" nodePh="1">
+                                <p:cTn id="28" presetID="1" presetClass="entr" presetSubtype="0" fill="hold" grpId="0" nodeType="afterEffect" nodePh="1">
                                   <p:stCondLst>
                                     <p:cond delay="7000"/>
                                   </p:stCondLst>
                                   <p:endCondLst>
                                     <p:cond evt="begin" delay="0">
-                                      <p:tn val="27"/>
+                                      <p:tn val="28"/>
                                     </p:cond>
                                   </p:endCondLst>
                                   <p:childTnLst>
                                     <p:set>
                                       <p:cBhvr>
-                                        <p:cTn id="28" dur="1" fill="hold">
+                                        <p:cTn id="29" dur="1" fill="hold">
                                           <p:stCondLst>
                                             <p:cond delay="199"/>
                                           </p:stCondLst>
